--- a/Jenkins.pptx
+++ b/Jenkins.pptx
@@ -7,6 +7,8 @@
   <p:sldIdLst>
     <p:sldId id="256" r:id="rId2"/>
     <p:sldId id="257" r:id="rId3"/>
+    <p:sldId id="258" r:id="rId4"/>
+    <p:sldId id="259" r:id="rId5"/>
   </p:sldIdLst>
   <p:sldSz cx="12192000" cy="6858000"/>
   <p:notesSz cx="6858000" cy="9144000"/>
@@ -105,7 +107,117 @@
       </a:defRPr>
     </a:lvl9pPr>
   </p:defaultTextStyle>
+  <p:extLst>
+    <p:ext uri="{EFAFB233-063F-42B5-8137-9DF3F51BA10A}">
+      <p15:sldGuideLst xmlns:p15="http://schemas.microsoft.com/office/powerpoint/2012/main"/>
+    </p:ext>
+  </p:extLst>
 </p:presentation>
+</file>
+
+<file path=ppt/changesInfos/changesInfo1.xml><?xml version="1.0" encoding="utf-8"?>
+<pc:chgInfo xmlns:a="http://schemas.openxmlformats.org/drawingml/2006/main" xmlns:r="http://schemas.openxmlformats.org/officeDocument/2006/relationships" xmlns:ac="http://schemas.microsoft.com/office/drawing/2013/main/command" xmlns:pc="http://schemas.microsoft.com/office/powerpoint/2013/main/command">
+  <pc:docChgLst>
+    <pc:chgData name="Jerald Francis" userId="b43fd2132e0b1f8f" providerId="LiveId" clId="{5D0589BF-32FB-497F-8DF9-0995EB59C529}"/>
+    <pc:docChg chg="custSel addSld delSld modSld">
+      <pc:chgData name="Jerald Francis" userId="b43fd2132e0b1f8f" providerId="LiveId" clId="{5D0589BF-32FB-497F-8DF9-0995EB59C529}" dt="2023-01-04T12:08:05.593" v="1359" actId="2696"/>
+      <pc:docMkLst>
+        <pc:docMk/>
+      </pc:docMkLst>
+      <pc:sldChg chg="delSp mod">
+        <pc:chgData name="Jerald Francis" userId="b43fd2132e0b1f8f" providerId="LiveId" clId="{5D0589BF-32FB-497F-8DF9-0995EB59C529}" dt="2023-01-04T11:17:43.635" v="1357" actId="478"/>
+        <pc:sldMkLst>
+          <pc:docMk/>
+          <pc:sldMk cId="1436824663" sldId="256"/>
+        </pc:sldMkLst>
+        <pc:spChg chg="del">
+          <ac:chgData name="Jerald Francis" userId="b43fd2132e0b1f8f" providerId="LiveId" clId="{5D0589BF-32FB-497F-8DF9-0995EB59C529}" dt="2023-01-04T11:17:43.635" v="1357" actId="478"/>
+          <ac:spMkLst>
+            <pc:docMk/>
+            <pc:sldMk cId="1436824663" sldId="256"/>
+            <ac:spMk id="3" creationId="{11F11B53-2ED9-8A98-A733-DCF69C71C67E}"/>
+          </ac:spMkLst>
+        </pc:spChg>
+      </pc:sldChg>
+      <pc:sldChg chg="modSp mod">
+        <pc:chgData name="Jerald Francis" userId="b43fd2132e0b1f8f" providerId="LiveId" clId="{5D0589BF-32FB-497F-8DF9-0995EB59C529}" dt="2023-01-02T08:01:45.592" v="10" actId="20577"/>
+        <pc:sldMkLst>
+          <pc:docMk/>
+          <pc:sldMk cId="3380026618" sldId="257"/>
+        </pc:sldMkLst>
+        <pc:spChg chg="mod">
+          <ac:chgData name="Jerald Francis" userId="b43fd2132e0b1f8f" providerId="LiveId" clId="{5D0589BF-32FB-497F-8DF9-0995EB59C529}" dt="2023-01-02T08:01:45.592" v="10" actId="20577"/>
+          <ac:spMkLst>
+            <pc:docMk/>
+            <pc:sldMk cId="3380026618" sldId="257"/>
+            <ac:spMk id="3" creationId="{29B0F6F1-027B-206D-B055-954916C6F0E1}"/>
+          </ac:spMkLst>
+        </pc:spChg>
+      </pc:sldChg>
+      <pc:sldChg chg="addSp modSp new mod">
+        <pc:chgData name="Jerald Francis" userId="b43fd2132e0b1f8f" providerId="LiveId" clId="{5D0589BF-32FB-497F-8DF9-0995EB59C529}" dt="2023-01-03T10:36:13.004" v="262" actId="313"/>
+        <pc:sldMkLst>
+          <pc:docMk/>
+          <pc:sldMk cId="3013034019" sldId="258"/>
+        </pc:sldMkLst>
+        <pc:spChg chg="mod">
+          <ac:chgData name="Jerald Francis" userId="b43fd2132e0b1f8f" providerId="LiveId" clId="{5D0589BF-32FB-497F-8DF9-0995EB59C529}" dt="2023-01-03T10:30:40.917" v="27" actId="20577"/>
+          <ac:spMkLst>
+            <pc:docMk/>
+            <pc:sldMk cId="3013034019" sldId="258"/>
+            <ac:spMk id="2" creationId="{9AB0448A-67A6-4479-9DC2-5DE357A126A8}"/>
+          </ac:spMkLst>
+        </pc:spChg>
+        <pc:spChg chg="mod">
+          <ac:chgData name="Jerald Francis" userId="b43fd2132e0b1f8f" providerId="LiveId" clId="{5D0589BF-32FB-497F-8DF9-0995EB59C529}" dt="2023-01-03T10:36:13.004" v="262" actId="313"/>
+          <ac:spMkLst>
+            <pc:docMk/>
+            <pc:sldMk cId="3013034019" sldId="258"/>
+            <ac:spMk id="3" creationId="{15659A49-E4A6-C628-8F71-00B06D544098}"/>
+          </ac:spMkLst>
+        </pc:spChg>
+        <pc:picChg chg="add mod">
+          <ac:chgData name="Jerald Francis" userId="b43fd2132e0b1f8f" providerId="LiveId" clId="{5D0589BF-32FB-497F-8DF9-0995EB59C529}" dt="2023-01-03T10:35:55.713" v="257" actId="14100"/>
+          <ac:picMkLst>
+            <pc:docMk/>
+            <pc:sldMk cId="3013034019" sldId="258"/>
+            <ac:picMk id="5" creationId="{29C488A1-5027-C0B3-336C-3D38B0BEA5B2}"/>
+          </ac:picMkLst>
+        </pc:picChg>
+      </pc:sldChg>
+      <pc:sldChg chg="modSp new mod">
+        <pc:chgData name="Jerald Francis" userId="b43fd2132e0b1f8f" providerId="LiveId" clId="{5D0589BF-32FB-497F-8DF9-0995EB59C529}" dt="2023-01-03T10:46:48.097" v="1356" actId="113"/>
+        <pc:sldMkLst>
+          <pc:docMk/>
+          <pc:sldMk cId="4256282863" sldId="259"/>
+        </pc:sldMkLst>
+        <pc:spChg chg="mod">
+          <ac:chgData name="Jerald Francis" userId="b43fd2132e0b1f8f" providerId="LiveId" clId="{5D0589BF-32FB-497F-8DF9-0995EB59C529}" dt="2023-01-03T10:36:27.078" v="275" actId="20577"/>
+          <ac:spMkLst>
+            <pc:docMk/>
+            <pc:sldMk cId="4256282863" sldId="259"/>
+            <ac:spMk id="2" creationId="{206F8AE4-4E28-3415-00D6-881B3B771405}"/>
+          </ac:spMkLst>
+        </pc:spChg>
+        <pc:spChg chg="mod">
+          <ac:chgData name="Jerald Francis" userId="b43fd2132e0b1f8f" providerId="LiveId" clId="{5D0589BF-32FB-497F-8DF9-0995EB59C529}" dt="2023-01-03T10:46:48.097" v="1356" actId="113"/>
+          <ac:spMkLst>
+            <pc:docMk/>
+            <pc:sldMk cId="4256282863" sldId="259"/>
+            <ac:spMk id="3" creationId="{17AC8061-8E2D-90CA-A39E-6971E46BE93D}"/>
+          </ac:spMkLst>
+        </pc:spChg>
+      </pc:sldChg>
+      <pc:sldChg chg="new del">
+        <pc:chgData name="Jerald Francis" userId="b43fd2132e0b1f8f" providerId="LiveId" clId="{5D0589BF-32FB-497F-8DF9-0995EB59C529}" dt="2023-01-04T12:08:05.593" v="1359" actId="2696"/>
+        <pc:sldMkLst>
+          <pc:docMk/>
+          <pc:sldMk cId="1399068029" sldId="260"/>
+        </pc:sldMkLst>
+      </pc:sldChg>
+    </pc:docChg>
+  </pc:docChgLst>
+</pc:chgInfo>
 </file>
 
 <file path=ppt/slideLayouts/slideLayout1.xml><?xml version="1.0" encoding="utf-8"?>
@@ -257,7 +369,7 @@
           <a:p>
             <a:fld id="{0448AE76-1F6D-4163-98F9-CFFBDF389181}" type="datetimeFigureOut">
               <a:rPr lang="en-IN" smtClean="0"/>
-              <a:t>11-12-2022</a:t>
+              <a:t>04-01-2023</a:t>
             </a:fld>
             <a:endParaRPr lang="en-IN"/>
           </a:p>
@@ -457,7 +569,7 @@
           <a:p>
             <a:fld id="{0448AE76-1F6D-4163-98F9-CFFBDF389181}" type="datetimeFigureOut">
               <a:rPr lang="en-IN" smtClean="0"/>
-              <a:t>11-12-2022</a:t>
+              <a:t>04-01-2023</a:t>
             </a:fld>
             <a:endParaRPr lang="en-IN"/>
           </a:p>
@@ -667,7 +779,7 @@
           <a:p>
             <a:fld id="{0448AE76-1F6D-4163-98F9-CFFBDF389181}" type="datetimeFigureOut">
               <a:rPr lang="en-IN" smtClean="0"/>
-              <a:t>11-12-2022</a:t>
+              <a:t>04-01-2023</a:t>
             </a:fld>
             <a:endParaRPr lang="en-IN"/>
           </a:p>
@@ -867,7 +979,7 @@
           <a:p>
             <a:fld id="{0448AE76-1F6D-4163-98F9-CFFBDF389181}" type="datetimeFigureOut">
               <a:rPr lang="en-IN" smtClean="0"/>
-              <a:t>11-12-2022</a:t>
+              <a:t>04-01-2023</a:t>
             </a:fld>
             <a:endParaRPr lang="en-IN"/>
           </a:p>
@@ -1143,7 +1255,7 @@
           <a:p>
             <a:fld id="{0448AE76-1F6D-4163-98F9-CFFBDF389181}" type="datetimeFigureOut">
               <a:rPr lang="en-IN" smtClean="0"/>
-              <a:t>11-12-2022</a:t>
+              <a:t>04-01-2023</a:t>
             </a:fld>
             <a:endParaRPr lang="en-IN"/>
           </a:p>
@@ -1411,7 +1523,7 @@
           <a:p>
             <a:fld id="{0448AE76-1F6D-4163-98F9-CFFBDF389181}" type="datetimeFigureOut">
               <a:rPr lang="en-IN" smtClean="0"/>
-              <a:t>11-12-2022</a:t>
+              <a:t>04-01-2023</a:t>
             </a:fld>
             <a:endParaRPr lang="en-IN"/>
           </a:p>
@@ -1826,7 +1938,7 @@
           <a:p>
             <a:fld id="{0448AE76-1F6D-4163-98F9-CFFBDF389181}" type="datetimeFigureOut">
               <a:rPr lang="en-IN" smtClean="0"/>
-              <a:t>11-12-2022</a:t>
+              <a:t>04-01-2023</a:t>
             </a:fld>
             <a:endParaRPr lang="en-IN"/>
           </a:p>
@@ -1968,7 +2080,7 @@
           <a:p>
             <a:fld id="{0448AE76-1F6D-4163-98F9-CFFBDF389181}" type="datetimeFigureOut">
               <a:rPr lang="en-IN" smtClean="0"/>
-              <a:t>11-12-2022</a:t>
+              <a:t>04-01-2023</a:t>
             </a:fld>
             <a:endParaRPr lang="en-IN"/>
           </a:p>
@@ -2081,7 +2193,7 @@
           <a:p>
             <a:fld id="{0448AE76-1F6D-4163-98F9-CFFBDF389181}" type="datetimeFigureOut">
               <a:rPr lang="en-IN" smtClean="0"/>
-              <a:t>11-12-2022</a:t>
+              <a:t>04-01-2023</a:t>
             </a:fld>
             <a:endParaRPr lang="en-IN"/>
           </a:p>
@@ -2394,7 +2506,7 @@
           <a:p>
             <a:fld id="{0448AE76-1F6D-4163-98F9-CFFBDF389181}" type="datetimeFigureOut">
               <a:rPr lang="en-IN" smtClean="0"/>
-              <a:t>11-12-2022</a:t>
+              <a:t>04-01-2023</a:t>
             </a:fld>
             <a:endParaRPr lang="en-IN"/>
           </a:p>
@@ -2683,7 +2795,7 @@
           <a:p>
             <a:fld id="{0448AE76-1F6D-4163-98F9-CFFBDF389181}" type="datetimeFigureOut">
               <a:rPr lang="en-IN" smtClean="0"/>
-              <a:t>11-12-2022</a:t>
+              <a:t>04-01-2023</a:t>
             </a:fld>
             <a:endParaRPr lang="en-IN"/>
           </a:p>
@@ -2926,7 +3038,7 @@
           <a:p>
             <a:fld id="{0448AE76-1F6D-4163-98F9-CFFBDF389181}" type="datetimeFigureOut">
               <a:rPr lang="en-IN" smtClean="0"/>
-              <a:t>11-12-2022</a:t>
+              <a:t>04-01-2023</a:t>
             </a:fld>
             <a:endParaRPr lang="en-IN"/>
           </a:p>
@@ -3372,31 +3484,6 @@
           </a:p>
         </p:txBody>
       </p:sp>
-      <p:sp>
-        <p:nvSpPr>
-          <p:cNvPr id="3" name="Subtitle 2">
-            <a:extLst>
-              <a:ext uri="{FF2B5EF4-FFF2-40B4-BE49-F238E27FC236}">
-                <a16:creationId xmlns:a16="http://schemas.microsoft.com/office/drawing/2014/main" id="{11F11B53-2ED9-8A98-A733-DCF69C71C67E}"/>
-              </a:ext>
-            </a:extLst>
-          </p:cNvPr>
-          <p:cNvSpPr>
-            <a:spLocks noGrp="1"/>
-          </p:cNvSpPr>
-          <p:nvPr>
-            <p:ph type="subTitle" idx="1"/>
-          </p:nvPr>
-        </p:nvSpPr>
-        <p:spPr/>
-        <p:txBody>
-          <a:bodyPr/>
-          <a:lstStyle/>
-          <a:p>
-            <a:endParaRPr lang="en-IN"/>
-          </a:p>
-        </p:txBody>
-      </p:sp>
       <p:pic>
         <p:nvPicPr>
           <p:cNvPr id="5" name="Picture 4">
@@ -3505,13 +3592,21 @@
         <p:spPr/>
         <p:txBody>
           <a:bodyPr>
-            <a:normAutofit lnSpcReduction="10000"/>
+            <a:normAutofit fontScale="92500"/>
           </a:bodyPr>
           <a:lstStyle/>
           <a:p>
             <a:r>
               <a:rPr lang="en-US" dirty="0"/>
-              <a:t>Its an open source automation server which enables the developer around the world to reliably build, test and deploy their software.</a:t>
+              <a:t>It’s </a:t>
+            </a:r>
+            <a:r>
+              <a:rPr lang="en-US"/>
+              <a:t>a leading </a:t>
+            </a:r>
+            <a:r>
+              <a:rPr lang="en-US" dirty="0"/>
+              <a:t>open source automation server which enables the developer around the world to reliably build, test and deploy their software.</a:t>
             </a:r>
           </a:p>
           <a:p>
@@ -3568,11 +3663,7 @@
             </a:pPr>
             <a:r>
               <a:rPr lang="en-US" dirty="0"/>
-              <a:t>the </a:t>
-            </a:r>
-            <a:r>
-              <a:rPr lang="en-US"/>
-              <a:t>automation process.</a:t>
+              <a:t>the automation process.</a:t>
             </a:r>
             <a:endParaRPr lang="en-IN" dirty="0"/>
           </a:p>
@@ -3612,6 +3703,305 @@
     <p:extLst>
       <p:ext uri="{BB962C8B-B14F-4D97-AF65-F5344CB8AC3E}">
         <p14:creationId xmlns:p14="http://schemas.microsoft.com/office/powerpoint/2010/main" val="3380026618"/>
+      </p:ext>
+    </p:extLst>
+  </p:cSld>
+  <p:clrMapOvr>
+    <a:masterClrMapping/>
+  </p:clrMapOvr>
+</p:sld>
+</file>
+
+<file path=ppt/slides/slide3.xml><?xml version="1.0" encoding="utf-8"?>
+<p:sld xmlns:a="http://schemas.openxmlformats.org/drawingml/2006/main" xmlns:r="http://schemas.openxmlformats.org/officeDocument/2006/relationships" xmlns:p="http://schemas.openxmlformats.org/presentationml/2006/main">
+  <p:cSld>
+    <p:spTree>
+      <p:nvGrpSpPr>
+        <p:cNvPr id="1" name=""/>
+        <p:cNvGrpSpPr/>
+        <p:nvPr/>
+      </p:nvGrpSpPr>
+      <p:grpSpPr>
+        <a:xfrm>
+          <a:off x="0" y="0"/>
+          <a:ext cx="0" cy="0"/>
+          <a:chOff x="0" y="0"/>
+          <a:chExt cx="0" cy="0"/>
+        </a:xfrm>
+      </p:grpSpPr>
+      <p:sp>
+        <p:nvSpPr>
+          <p:cNvPr id="2" name="Title 1">
+            <a:extLst>
+              <a:ext uri="{FF2B5EF4-FFF2-40B4-BE49-F238E27FC236}">
+                <a16:creationId xmlns:a16="http://schemas.microsoft.com/office/drawing/2014/main" id="{9AB0448A-67A6-4479-9DC2-5DE357A126A8}"/>
+              </a:ext>
+            </a:extLst>
+          </p:cNvPr>
+          <p:cNvSpPr>
+            <a:spLocks noGrp="1"/>
+          </p:cNvSpPr>
+          <p:nvPr>
+            <p:ph type="title"/>
+          </p:nvPr>
+        </p:nvSpPr>
+        <p:spPr/>
+        <p:txBody>
+          <a:bodyPr/>
+          <a:lstStyle/>
+          <a:p>
+            <a:r>
+              <a:rPr lang="en-US" dirty="0"/>
+              <a:t>Jenkins Pipeline</a:t>
+            </a:r>
+            <a:endParaRPr lang="en-IN" dirty="0"/>
+          </a:p>
+        </p:txBody>
+      </p:sp>
+      <p:sp>
+        <p:nvSpPr>
+          <p:cNvPr id="3" name="Content Placeholder 2">
+            <a:extLst>
+              <a:ext uri="{FF2B5EF4-FFF2-40B4-BE49-F238E27FC236}">
+                <a16:creationId xmlns:a16="http://schemas.microsoft.com/office/drawing/2014/main" id="{15659A49-E4A6-C628-8F71-00B06D544098}"/>
+              </a:ext>
+            </a:extLst>
+          </p:cNvPr>
+          <p:cNvSpPr>
+            <a:spLocks noGrp="1"/>
+          </p:cNvSpPr>
+          <p:nvPr>
+            <p:ph idx="1"/>
+          </p:nvPr>
+        </p:nvSpPr>
+        <p:spPr/>
+        <p:txBody>
+          <a:bodyPr/>
+          <a:lstStyle/>
+          <a:p>
+            <a:r>
+              <a:rPr lang="en-US" dirty="0"/>
+              <a:t>Jenkin Pipeline is a suite of plugins which supports in Implementing and integrating continuous delivery pipeline into Jenkins.</a:t>
+            </a:r>
+          </a:p>
+          <a:p>
+            <a:pPr lvl="1"/>
+            <a:r>
+              <a:rPr lang="en-US" dirty="0"/>
+              <a:t>Jenkin Pipeline is written into text file called “</a:t>
+            </a:r>
+            <a:r>
+              <a:rPr lang="en-US" dirty="0" err="1"/>
+              <a:t>Jenkinsfile</a:t>
+            </a:r>
+            <a:r>
+              <a:rPr lang="en-US" dirty="0"/>
+              <a:t>”. </a:t>
+            </a:r>
+          </a:p>
+          <a:p>
+            <a:pPr lvl="1"/>
+            <a:endParaRPr lang="en-US" dirty="0"/>
+          </a:p>
+          <a:p>
+            <a:pPr lvl="1"/>
+            <a:endParaRPr lang="en-IN" dirty="0"/>
+          </a:p>
+        </p:txBody>
+      </p:sp>
+      <p:pic>
+        <p:nvPicPr>
+          <p:cNvPr id="5" name="Picture 4">
+            <a:extLst>
+              <a:ext uri="{FF2B5EF4-FFF2-40B4-BE49-F238E27FC236}">
+                <a16:creationId xmlns:a16="http://schemas.microsoft.com/office/drawing/2014/main" id="{29C488A1-5027-C0B3-336C-3D38B0BEA5B2}"/>
+              </a:ext>
+            </a:extLst>
+          </p:cNvPr>
+          <p:cNvPicPr>
+            <a:picLocks noChangeAspect="1"/>
+          </p:cNvPicPr>
+          <p:nvPr/>
+        </p:nvPicPr>
+        <p:blipFill>
+          <a:blip r:embed="rId2"/>
+          <a:stretch>
+            <a:fillRect/>
+          </a:stretch>
+        </p:blipFill>
+        <p:spPr>
+          <a:xfrm>
+            <a:off x="1666718" y="3429000"/>
+            <a:ext cx="8747282" cy="2235315"/>
+          </a:xfrm>
+          <a:prstGeom prst="rect">
+            <a:avLst/>
+          </a:prstGeom>
+        </p:spPr>
+      </p:pic>
+    </p:spTree>
+    <p:extLst>
+      <p:ext uri="{BB962C8B-B14F-4D97-AF65-F5344CB8AC3E}">
+        <p14:creationId xmlns:p14="http://schemas.microsoft.com/office/powerpoint/2010/main" val="3013034019"/>
+      </p:ext>
+    </p:extLst>
+  </p:cSld>
+  <p:clrMapOvr>
+    <a:masterClrMapping/>
+  </p:clrMapOvr>
+</p:sld>
+</file>
+
+<file path=ppt/slides/slide4.xml><?xml version="1.0" encoding="utf-8"?>
+<p:sld xmlns:a="http://schemas.openxmlformats.org/drawingml/2006/main" xmlns:r="http://schemas.openxmlformats.org/officeDocument/2006/relationships" xmlns:p="http://schemas.openxmlformats.org/presentationml/2006/main">
+  <p:cSld>
+    <p:spTree>
+      <p:nvGrpSpPr>
+        <p:cNvPr id="1" name=""/>
+        <p:cNvGrpSpPr/>
+        <p:nvPr/>
+      </p:nvGrpSpPr>
+      <p:grpSpPr>
+        <a:xfrm>
+          <a:off x="0" y="0"/>
+          <a:ext cx="0" cy="0"/>
+          <a:chOff x="0" y="0"/>
+          <a:chExt cx="0" cy="0"/>
+        </a:xfrm>
+      </p:grpSpPr>
+      <p:sp>
+        <p:nvSpPr>
+          <p:cNvPr id="2" name="Title 1">
+            <a:extLst>
+              <a:ext uri="{FF2B5EF4-FFF2-40B4-BE49-F238E27FC236}">
+                <a16:creationId xmlns:a16="http://schemas.microsoft.com/office/drawing/2014/main" id="{206F8AE4-4E28-3415-00D6-881B3B771405}"/>
+              </a:ext>
+            </a:extLst>
+          </p:cNvPr>
+          <p:cNvSpPr>
+            <a:spLocks noGrp="1"/>
+          </p:cNvSpPr>
+          <p:nvPr>
+            <p:ph type="title"/>
+          </p:nvPr>
+        </p:nvSpPr>
+        <p:spPr/>
+        <p:txBody>
+          <a:bodyPr/>
+          <a:lstStyle/>
+          <a:p>
+            <a:r>
+              <a:rPr lang="en-US" dirty="0"/>
+              <a:t>Why Pipeline</a:t>
+            </a:r>
+            <a:endParaRPr lang="en-IN" dirty="0"/>
+          </a:p>
+        </p:txBody>
+      </p:sp>
+      <p:sp>
+        <p:nvSpPr>
+          <p:cNvPr id="3" name="Content Placeholder 2">
+            <a:extLst>
+              <a:ext uri="{FF2B5EF4-FFF2-40B4-BE49-F238E27FC236}">
+                <a16:creationId xmlns:a16="http://schemas.microsoft.com/office/drawing/2014/main" id="{17AC8061-8E2D-90CA-A39E-6971E46BE93D}"/>
+              </a:ext>
+            </a:extLst>
+          </p:cNvPr>
+          <p:cNvSpPr>
+            <a:spLocks noGrp="1"/>
+          </p:cNvSpPr>
+          <p:nvPr>
+            <p:ph idx="1"/>
+          </p:nvPr>
+        </p:nvSpPr>
+        <p:spPr>
+          <a:xfrm>
+            <a:off x="838200" y="1412240"/>
+            <a:ext cx="10515600" cy="4764723"/>
+          </a:xfrm>
+        </p:spPr>
+        <p:txBody>
+          <a:bodyPr>
+            <a:normAutofit fontScale="92500" lnSpcReduction="20000"/>
+          </a:bodyPr>
+          <a:lstStyle/>
+          <a:p>
+            <a:r>
+              <a:rPr lang="en-US" dirty="0"/>
+              <a:t>Jenkins is a fundamental automated engine which supports of automation patterns. Pipeline adds a powerful set of automation tools onto Jenkins, supporting use cases that span from simple continuous integration to comprehensive CD pipelines.</a:t>
+            </a:r>
+          </a:p>
+          <a:p>
+            <a:r>
+              <a:rPr lang="en-US" dirty="0"/>
+              <a:t>By modeling serious of related tasks, users can take advantage of the many features of pipelines,</a:t>
+            </a:r>
+          </a:p>
+          <a:p>
+            <a:pPr lvl="1"/>
+            <a:r>
+              <a:rPr lang="en-US" b="1" dirty="0"/>
+              <a:t>Code</a:t>
+            </a:r>
+            <a:r>
+              <a:rPr lang="en-US" dirty="0"/>
+              <a:t> : Pipelines are implemented in code and typically checked into source control, giving teams ability to edit, review and iterate upon their delivery pipeline.</a:t>
+            </a:r>
+          </a:p>
+          <a:p>
+            <a:pPr lvl="1"/>
+            <a:r>
+              <a:rPr lang="en-US" b="1" dirty="0"/>
+              <a:t>Durable</a:t>
+            </a:r>
+            <a:r>
+              <a:rPr lang="en-US" dirty="0"/>
+              <a:t> : Pipelines can survive both planned and unplanned restart of the Jenkins controller.</a:t>
+            </a:r>
+          </a:p>
+          <a:p>
+            <a:pPr lvl="1"/>
+            <a:r>
+              <a:rPr lang="en-US" b="1" dirty="0" err="1"/>
+              <a:t>Pausable</a:t>
+            </a:r>
+            <a:r>
+              <a:rPr lang="en-US" dirty="0"/>
+              <a:t> : Pipelines can optionally stop and wait for human input or approval before continuing the pipeline run.</a:t>
+            </a:r>
+          </a:p>
+          <a:p>
+            <a:pPr lvl="1"/>
+            <a:r>
+              <a:rPr lang="en-US" b="1" dirty="0"/>
+              <a:t>Versatile</a:t>
+            </a:r>
+            <a:r>
+              <a:rPr lang="en-US" dirty="0"/>
+              <a:t> : Pipeline support complex real-world CD requirements, including the ability to fork/join, loop and perform work In parallel.</a:t>
+            </a:r>
+          </a:p>
+          <a:p>
+            <a:pPr lvl="1"/>
+            <a:r>
+              <a:rPr lang="en-US" b="1" dirty="0"/>
+              <a:t>Extensible</a:t>
+            </a:r>
+            <a:r>
+              <a:rPr lang="en-US" dirty="0"/>
+              <a:t> : The Pipeline plugin supports custom extensions to its DSL and multiple options for Integration with other plugins.</a:t>
+            </a:r>
+          </a:p>
+          <a:p>
+            <a:pPr lvl="1"/>
+            <a:endParaRPr lang="en-IN" dirty="0"/>
+          </a:p>
+        </p:txBody>
+      </p:sp>
+    </p:spTree>
+    <p:extLst>
+      <p:ext uri="{BB962C8B-B14F-4D97-AF65-F5344CB8AC3E}">
+        <p14:creationId xmlns:p14="http://schemas.microsoft.com/office/powerpoint/2010/main" val="4256282863"/>
       </p:ext>
     </p:extLst>
   </p:cSld>
